--- a/Nuon Economics.pptx
+++ b/Nuon Economics.pptx
@@ -445,7 +445,7 @@
           <a:p>
             <a:fld id="{F1D290EB-55C2-D748-92FF-B86ED18A6D98}" type="datetimeFigureOut">
               <a:rPr lang="en-US" smtClean="0"/>
-              <a:t>11/2/23</a:t>
+              <a:t>11/3/23</a:t>
             </a:fld>
             <a:endParaRPr lang="en-US"/>
           </a:p>
@@ -769,7 +769,7 @@
           <a:p>
             <a:fld id="{F1D290EB-55C2-D748-92FF-B86ED18A6D98}" type="datetimeFigureOut">
               <a:rPr lang="en-US" smtClean="0"/>
-              <a:t>11/2/23</a:t>
+              <a:t>11/3/23</a:t>
             </a:fld>
             <a:endParaRPr lang="en-US"/>
           </a:p>
@@ -1017,7 +1017,7 @@
           <a:p>
             <a:fld id="{F1D290EB-55C2-D748-92FF-B86ED18A6D98}" type="datetimeFigureOut">
               <a:rPr lang="en-US" smtClean="0"/>
-              <a:t>11/2/23</a:t>
+              <a:t>11/3/23</a:t>
             </a:fld>
             <a:endParaRPr lang="en-US"/>
           </a:p>
@@ -1356,7 +1356,7 @@
           <a:p>
             <a:fld id="{F1D290EB-55C2-D748-92FF-B86ED18A6D98}" type="datetimeFigureOut">
               <a:rPr lang="en-US" smtClean="0"/>
-              <a:t>11/2/23</a:t>
+              <a:t>11/3/23</a:t>
             </a:fld>
             <a:endParaRPr lang="en-US"/>
           </a:p>
@@ -1703,7 +1703,7 @@
           <a:p>
             <a:fld id="{F1D290EB-55C2-D748-92FF-B86ED18A6D98}" type="datetimeFigureOut">
               <a:rPr lang="en-US" smtClean="0"/>
-              <a:t>11/2/23</a:t>
+              <a:t>11/3/23</a:t>
             </a:fld>
             <a:endParaRPr lang="en-US"/>
           </a:p>
@@ -2077,7 +2077,7 @@
           <a:p>
             <a:fld id="{F1D290EB-55C2-D748-92FF-B86ED18A6D98}" type="datetimeFigureOut">
               <a:rPr lang="en-US" smtClean="0"/>
-              <a:t>11/2/23</a:t>
+              <a:t>11/3/23</a:t>
             </a:fld>
             <a:endParaRPr lang="en-US"/>
           </a:p>
@@ -2547,7 +2547,7 @@
           <a:p>
             <a:fld id="{F1D290EB-55C2-D748-92FF-B86ED18A6D98}" type="datetimeFigureOut">
               <a:rPr lang="en-US" smtClean="0"/>
-              <a:t>11/2/23</a:t>
+              <a:t>11/3/23</a:t>
             </a:fld>
             <a:endParaRPr lang="en-US"/>
           </a:p>
@@ -2752,7 +2752,7 @@
           <a:p>
             <a:fld id="{F1D290EB-55C2-D748-92FF-B86ED18A6D98}" type="datetimeFigureOut">
               <a:rPr lang="en-US" smtClean="0"/>
-              <a:t>11/2/23</a:t>
+              <a:t>11/3/23</a:t>
             </a:fld>
             <a:endParaRPr lang="en-US"/>
           </a:p>
@@ -2963,7 +2963,7 @@
           <a:p>
             <a:fld id="{F1D290EB-55C2-D748-92FF-B86ED18A6D98}" type="datetimeFigureOut">
               <a:rPr lang="en-US" smtClean="0"/>
-              <a:t>11/2/23</a:t>
+              <a:t>11/3/23</a:t>
             </a:fld>
             <a:endParaRPr lang="en-US"/>
           </a:p>
@@ -3195,7 +3195,7 @@
           <a:p>
             <a:fld id="{F1D290EB-55C2-D748-92FF-B86ED18A6D98}" type="datetimeFigureOut">
               <a:rPr lang="en-US" smtClean="0"/>
-              <a:t>11/2/23</a:t>
+              <a:t>11/3/23</a:t>
             </a:fld>
             <a:endParaRPr lang="en-US"/>
           </a:p>
@@ -3443,7 +3443,7 @@
           <a:p>
             <a:fld id="{F1D290EB-55C2-D748-92FF-B86ED18A6D98}" type="datetimeFigureOut">
               <a:rPr lang="en-US" smtClean="0"/>
-              <a:t>11/2/23</a:t>
+              <a:t>11/3/23</a:t>
             </a:fld>
             <a:endParaRPr lang="en-US"/>
           </a:p>
@@ -3741,7 +3741,7 @@
           <a:p>
             <a:fld id="{F1D290EB-55C2-D748-92FF-B86ED18A6D98}" type="datetimeFigureOut">
               <a:rPr lang="en-US" smtClean="0"/>
-              <a:t>11/2/23</a:t>
+              <a:t>11/3/23</a:t>
             </a:fld>
             <a:endParaRPr lang="en-US"/>
           </a:p>
@@ -4135,7 +4135,7 @@
           <a:p>
             <a:fld id="{F1D290EB-55C2-D748-92FF-B86ED18A6D98}" type="datetimeFigureOut">
               <a:rPr lang="en-US" smtClean="0"/>
-              <a:t>11/2/23</a:t>
+              <a:t>11/3/23</a:t>
             </a:fld>
             <a:endParaRPr lang="en-US"/>
           </a:p>
@@ -4284,7 +4284,7 @@
           <a:p>
             <a:fld id="{F1D290EB-55C2-D748-92FF-B86ED18A6D98}" type="datetimeFigureOut">
               <a:rPr lang="en-US" smtClean="0"/>
-              <a:t>11/2/23</a:t>
+              <a:t>11/3/23</a:t>
             </a:fld>
             <a:endParaRPr lang="en-US"/>
           </a:p>
@@ -4410,7 +4410,7 @@
           <a:p>
             <a:fld id="{F1D290EB-55C2-D748-92FF-B86ED18A6D98}" type="datetimeFigureOut">
               <a:rPr lang="en-US" smtClean="0"/>
-              <a:t>11/2/23</a:t>
+              <a:t>11/3/23</a:t>
             </a:fld>
             <a:endParaRPr lang="en-US"/>
           </a:p>
@@ -4665,7 +4665,7 @@
           <a:p>
             <a:fld id="{F1D290EB-55C2-D748-92FF-B86ED18A6D98}" type="datetimeFigureOut">
               <a:rPr lang="en-US" smtClean="0"/>
-              <a:t>11/2/23</a:t>
+              <a:t>11/3/23</a:t>
             </a:fld>
             <a:endParaRPr lang="en-US"/>
           </a:p>
@@ -4980,7 +4980,7 @@
           <a:p>
             <a:fld id="{F1D290EB-55C2-D748-92FF-B86ED18A6D98}" type="datetimeFigureOut">
               <a:rPr lang="en-US" smtClean="0"/>
-              <a:t>11/2/23</a:t>
+              <a:t>11/3/23</a:t>
             </a:fld>
             <a:endParaRPr lang="en-US"/>
           </a:p>
@@ -5331,7 +5331,7 @@
           <a:p>
             <a:fld id="{F1D290EB-55C2-D748-92FF-B86ED18A6D98}" type="datetimeFigureOut">
               <a:rPr lang="en-US" smtClean="0"/>
-              <a:t>11/2/23</a:t>
+              <a:t>11/3/23</a:t>
             </a:fld>
             <a:endParaRPr lang="en-US"/>
           </a:p>
@@ -6291,7 +6291,7 @@
         </p:nvSpPr>
         <p:spPr>
           <a:xfrm>
-            <a:off x="1162074" y="1350885"/>
+            <a:off x="1162074" y="1359677"/>
             <a:ext cx="9601196" cy="1303867"/>
           </a:xfrm>
         </p:spPr>
